--- a/Raport/Prezentare_Dubciuc_Damian_IA-212.pptx
+++ b/Raport/Prezentare_Dubciuc_Damian_IA-212.pptx
@@ -5,7 +5,7 @@
     <p:sldMasterId id="2147483654" r:id="rId1"/>
   </p:sldMasterIdLst>
   <p:notesMasterIdLst>
-    <p:notesMasterId r:id="rId19"/>
+    <p:notesMasterId r:id="rId18"/>
   </p:notesMasterIdLst>
   <p:sldIdLst>
     <p:sldId id="256" r:id="rId2"/>
@@ -23,8 +23,7 @@
     <p:sldId id="293" r:id="rId14"/>
     <p:sldId id="294" r:id="rId15"/>
     <p:sldId id="295" r:id="rId16"/>
-    <p:sldId id="296" r:id="rId17"/>
-    <p:sldId id="276" r:id="rId18"/>
+    <p:sldId id="276" r:id="rId17"/>
   </p:sldIdLst>
   <p:sldSz cx="9144000" cy="6858000" type="screen4x3"/>
   <p:notesSz cx="6858000" cy="9144000"/>
@@ -1520,148 +1519,6 @@
 </file>
 
 <file path=ppt/notesSlides/notesSlide16.xml><?xml version="1.0" encoding="utf-8"?>
-<p:notes xmlns:a="http://schemas.openxmlformats.org/drawingml/2006/main" xmlns:r="http://schemas.openxmlformats.org/officeDocument/2006/relationships" xmlns:p="http://schemas.openxmlformats.org/presentationml/2006/main">
-  <p:cSld>
-    <p:bg>
-      <p:bgPr>
-        <a:solidFill>
-          <a:srgbClr val="FFFFFF"/>
-        </a:solidFill>
-        <a:effectLst/>
-      </p:bgPr>
-    </p:bg>
-    <p:spTree>
-      <p:nvGrpSpPr>
-        <p:cNvPr id="1" name=""/>
-        <p:cNvGrpSpPr/>
-        <p:nvPr/>
-      </p:nvGrpSpPr>
-      <p:grpSpPr>
-        <a:xfrm>
-          <a:off x="0" y="0"/>
-          <a:ext cx="0" cy="0"/>
-          <a:chOff x="0" y="0"/>
-          <a:chExt cx="0" cy="0"/>
-        </a:xfrm>
-      </p:grpSpPr>
-      <p:sp>
-        <p:nvSpPr>
-          <p:cNvPr id="22530" name="Rectangle 1">
-            <a:extLst>
-              <a:ext uri="{FF2B5EF4-FFF2-40B4-BE49-F238E27FC236}">
-                <a16:creationId xmlns:a16="http://schemas.microsoft.com/office/drawing/2014/main" id="{B287A7E2-FF4D-B7FA-2009-FB112B33D058}"/>
-              </a:ext>
-            </a:extLst>
-          </p:cNvPr>
-          <p:cNvSpPr>
-            <a:spLocks noGrp="1" noRot="1" noChangeAspect="1" noChangeArrowheads="1" noTextEdit="1"/>
-          </p:cNvSpPr>
-          <p:nvPr>
-            <p:ph type="sldImg"/>
-          </p:nvPr>
-        </p:nvSpPr>
-        <p:spPr>
-          <a:xfrm>
-            <a:off x="1143000" y="695325"/>
-            <a:ext cx="4572000" cy="3429000"/>
-          </a:xfrm>
-          <a:solidFill>
-            <a:srgbClr val="FFFFFF"/>
-          </a:solidFill>
-          <a:ln>
-            <a:solidFill>
-              <a:srgbClr val="000000"/>
-            </a:solidFill>
-            <a:miter lim="800000"/>
-            <a:headEnd/>
-            <a:tailEnd/>
-          </a:ln>
-          <a:extLst>
-            <a:ext uri="{AF507438-7753-43E0-B8FC-AC1667EBCBE1}">
-              <a14:hiddenEffects xmlns:a14="http://schemas.microsoft.com/office/drawing/2010/main">
-                <a:effectLst>
-                  <a:outerShdw dist="35921" dir="2700000" algn="ctr" rotWithShape="0">
-                    <a:srgbClr val="808080"/>
-                  </a:outerShdw>
-                </a:effectLst>
-              </a14:hiddenEffects>
-            </a:ext>
-          </a:extLst>
-        </p:spPr>
-      </p:sp>
-      <p:sp>
-        <p:nvSpPr>
-          <p:cNvPr id="22531" name="Rectangle 2">
-            <a:extLst>
-              <a:ext uri="{FF2B5EF4-FFF2-40B4-BE49-F238E27FC236}">
-                <a16:creationId xmlns:a16="http://schemas.microsoft.com/office/drawing/2014/main" id="{FF16A49D-C2F1-858C-B6CC-E56A9342E18F}"/>
-              </a:ext>
-            </a:extLst>
-          </p:cNvPr>
-          <p:cNvSpPr>
-            <a:spLocks noGrp="1" noChangeArrowheads="1"/>
-          </p:cNvSpPr>
-          <p:nvPr>
-            <p:ph type="body" idx="1"/>
-          </p:nvPr>
-        </p:nvSpPr>
-        <p:spPr>
-          <a:xfrm>
-            <a:off x="685800" y="4343400"/>
-            <a:ext cx="5486400" cy="4114800"/>
-          </a:xfrm>
-          <a:noFill/>
-          <a:extLst>
-            <a:ext uri="{909E8E84-426E-40DD-AFC4-6F175D3DCCD1}">
-              <a14:hiddenFill xmlns:a14="http://schemas.microsoft.com/office/drawing/2010/main">
-                <a:solidFill>
-                  <a:srgbClr val="FFFFFF"/>
-                </a:solidFill>
-              </a14:hiddenFill>
-            </a:ext>
-            <a:ext uri="{91240B29-F687-4F45-9708-019B960494DF}">
-              <a14:hiddenLine xmlns:a14="http://schemas.microsoft.com/office/drawing/2010/main" w="9525" cap="flat">
-                <a:solidFill>
-                  <a:srgbClr val="3465A4"/>
-                </a:solidFill>
-                <a:round/>
-                <a:headEnd/>
-                <a:tailEnd/>
-              </a14:hiddenLine>
-            </a:ext>
-            <a:ext uri="{AF507438-7753-43E0-B8FC-AC1667EBCBE1}">
-              <a14:hiddenEffects xmlns:a14="http://schemas.microsoft.com/office/drawing/2010/main">
-                <a:effectLst>
-                  <a:outerShdw dist="35921" dir="2700000" algn="ctr" rotWithShape="0">
-                    <a:srgbClr val="808080"/>
-                  </a:outerShdw>
-                </a:effectLst>
-              </a14:hiddenEffects>
-            </a:ext>
-          </a:extLst>
-        </p:spPr>
-        <p:txBody>
-          <a:bodyPr wrap="none" anchor="ctr"/>
-          <a:lstStyle/>
-          <a:p>
-            <a:endParaRPr lang="en-US" altLang="en-US"/>
-          </a:p>
-        </p:txBody>
-      </p:sp>
-    </p:spTree>
-    <p:extLst>
-      <p:ext uri="{BB962C8B-B14F-4D97-AF65-F5344CB8AC3E}">
-        <p14:creationId xmlns:p14="http://schemas.microsoft.com/office/powerpoint/2010/main" val="2317902318"/>
-      </p:ext>
-    </p:extLst>
-  </p:cSld>
-  <p:clrMapOvr>
-    <a:masterClrMapping/>
-  </p:clrMapOvr>
-</p:notes>
-</file>
-
-<file path=ppt/notesSlides/notesSlide17.xml><?xml version="1.0" encoding="utf-8"?>
 <p:notes xmlns:a="http://schemas.openxmlformats.org/drawingml/2006/main" xmlns:r="http://schemas.openxmlformats.org/officeDocument/2006/relationships" xmlns:p="http://schemas.openxmlformats.org/presentationml/2006/main">
   <p:cSld>
     <p:bg>
@@ -7934,163 +7791,6 @@
 </file>
 
 <file path=ppt/slides/slide16.xml><?xml version="1.0" encoding="utf-8"?>
-<p:sld xmlns:a="http://schemas.openxmlformats.org/drawingml/2006/main" xmlns:r="http://schemas.openxmlformats.org/officeDocument/2006/relationships" xmlns:p="http://schemas.openxmlformats.org/presentationml/2006/main">
-  <p:cSld>
-    <p:bg>
-      <p:bgPr>
-        <a:blipFill dpi="0" rotWithShape="0">
-          <a:blip r:embed="rId3"/>
-          <a:srcRect/>
-          <a:stretch>
-            <a:fillRect/>
-          </a:stretch>
-        </a:blipFill>
-        <a:effectLst/>
-      </p:bgPr>
-    </p:bg>
-    <p:spTree>
-      <p:nvGrpSpPr>
-        <p:cNvPr id="1" name=""/>
-        <p:cNvGrpSpPr/>
-        <p:nvPr/>
-      </p:nvGrpSpPr>
-      <p:grpSpPr>
-        <a:xfrm>
-          <a:off x="0" y="0"/>
-          <a:ext cx="0" cy="0"/>
-          <a:chOff x="0" y="0"/>
-          <a:chExt cx="0" cy="0"/>
-        </a:xfrm>
-      </p:grpSpPr>
-      <p:sp>
-        <p:nvSpPr>
-          <p:cNvPr id="21506" name="Title 1">
-            <a:extLst>
-              <a:ext uri="{FF2B5EF4-FFF2-40B4-BE49-F238E27FC236}">
-                <a16:creationId xmlns:a16="http://schemas.microsoft.com/office/drawing/2014/main" id="{D2C373E8-E152-494B-C136-07D02D71F2D3}"/>
-              </a:ext>
-            </a:extLst>
-          </p:cNvPr>
-          <p:cNvSpPr>
-            <a:spLocks noGrp="1" noChangeArrowheads="1"/>
-          </p:cNvSpPr>
-          <p:nvPr>
-            <p:ph type="title"/>
-          </p:nvPr>
-        </p:nvSpPr>
-        <p:spPr>
-          <a:xfrm>
-            <a:off x="4524354" y="533400"/>
-            <a:ext cx="4627563" cy="854075"/>
-          </a:xfrm>
-        </p:spPr>
-        <p:txBody>
-          <a:bodyPr/>
-          <a:lstStyle/>
-          <a:p>
-            <a:pPr algn="ctr"/>
-            <a:r>
-              <a:rPr lang="en-US" altLang="ro-RO" sz="2800" dirty="0" err="1">
-                <a:latin typeface="Times New Roman" panose="02020603050405020304" pitchFamily="18" charset="0"/>
-                <a:cs typeface="Times New Roman" panose="02020603050405020304" pitchFamily="18" charset="0"/>
-              </a:rPr>
-              <a:t>Regresie</a:t>
-            </a:r>
-            <a:r>
-              <a:rPr lang="en-US" altLang="ro-RO" sz="2800" dirty="0">
-                <a:latin typeface="Times New Roman" panose="02020603050405020304" pitchFamily="18" charset="0"/>
-                <a:cs typeface="Times New Roman" panose="02020603050405020304" pitchFamily="18" charset="0"/>
-              </a:rPr>
-              <a:t> </a:t>
-            </a:r>
-            <a:r>
-              <a:rPr lang="en-US" altLang="ro-RO" sz="2800" dirty="0" err="1">
-                <a:latin typeface="Times New Roman" panose="02020603050405020304" pitchFamily="18" charset="0"/>
-                <a:cs typeface="Times New Roman" panose="02020603050405020304" pitchFamily="18" charset="0"/>
-              </a:rPr>
-              <a:t>liniară</a:t>
-            </a:r>
-            <a:endParaRPr lang="en-US" altLang="ro-RO" sz="2800" dirty="0">
-              <a:latin typeface="Times New Roman" panose="02020603050405020304" pitchFamily="18" charset="0"/>
-              <a:cs typeface="Times New Roman" panose="02020603050405020304" pitchFamily="18" charset="0"/>
-            </a:endParaRPr>
-          </a:p>
-        </p:txBody>
-      </p:sp>
-      <p:pic>
-        <p:nvPicPr>
-          <p:cNvPr id="3" name="Picture 2">
-            <a:extLst>
-              <a:ext uri="{FF2B5EF4-FFF2-40B4-BE49-F238E27FC236}">
-                <a16:creationId xmlns:a16="http://schemas.microsoft.com/office/drawing/2014/main" id="{7F592EC0-7230-50FD-B27C-6EE472DD07C3}"/>
-              </a:ext>
-            </a:extLst>
-          </p:cNvPr>
-          <p:cNvPicPr>
-            <a:picLocks noChangeAspect="1"/>
-          </p:cNvPicPr>
-          <p:nvPr/>
-        </p:nvPicPr>
-        <p:blipFill>
-          <a:blip r:embed="rId4"/>
-          <a:stretch>
-            <a:fillRect/>
-          </a:stretch>
-        </p:blipFill>
-        <p:spPr>
-          <a:xfrm>
-            <a:off x="685800" y="1676400"/>
-            <a:ext cx="7772400" cy="4857750"/>
-          </a:xfrm>
-          <a:prstGeom prst="rect">
-            <a:avLst/>
-          </a:prstGeom>
-        </p:spPr>
-      </p:pic>
-    </p:spTree>
-    <p:extLst>
-      <p:ext uri="{BB962C8B-B14F-4D97-AF65-F5344CB8AC3E}">
-        <p14:creationId xmlns:p14="http://schemas.microsoft.com/office/powerpoint/2010/main" val="66557081"/>
-      </p:ext>
-    </p:extLst>
-  </p:cSld>
-  <p:clrMapOvr>
-    <a:masterClrMapping/>
-  </p:clrMapOvr>
-  <p:transition spd="slow">
-    <p:wipe/>
-  </p:transition>
-  <p:timing>
-    <p:tnLst>
-      <p:par>
-        <p:cTn id="1" dur="indefinite" restart="never" nodeType="tmRoot">
-          <p:childTnLst>
-            <p:seq concurrent="1" nextAc="seek">
-              <p:cTn id="2" dur="indefinite" nodeType="mainSeq"/>
-              <p:prevCondLst>
-                <p:cond evt="onPrev" delay="0">
-                  <p:tgtEl>
-                    <p:sldTgt/>
-                  </p:tgtEl>
-                </p:cond>
-              </p:prevCondLst>
-              <p:nextCondLst>
-                <p:cond evt="onNext" delay="0">
-                  <p:tgtEl>
-                    <p:sldTgt/>
-                  </p:tgtEl>
-                </p:cond>
-              </p:nextCondLst>
-            </p:seq>
-          </p:childTnLst>
-        </p:cTn>
-      </p:par>
-    </p:tnLst>
-  </p:timing>
-</p:sld>
-</file>
-
-<file path=ppt/slides/slide17.xml><?xml version="1.0" encoding="utf-8"?>
 <p:sld xmlns:a="http://schemas.openxmlformats.org/drawingml/2006/main" xmlns:r="http://schemas.openxmlformats.org/officeDocument/2006/relationships" xmlns:p="http://schemas.openxmlformats.org/presentationml/2006/main">
   <p:cSld>
     <p:bg>

--- a/Raport/Prezentare_Dubciuc_Damian_IA-212.pptx
+++ b/Raport/Prezentare_Dubciuc_Damian_IA-212.pptx
@@ -5,7 +5,7 @@
     <p:sldMasterId id="2147483654" r:id="rId1"/>
   </p:sldMasterIdLst>
   <p:notesMasterIdLst>
-    <p:notesMasterId r:id="rId18"/>
+    <p:notesMasterId r:id="rId15"/>
   </p:notesMasterIdLst>
   <p:sldIdLst>
     <p:sldId id="256" r:id="rId2"/>
@@ -15,15 +15,12 @@
     <p:sldId id="281" r:id="rId6"/>
     <p:sldId id="284" r:id="rId7"/>
     <p:sldId id="288" r:id="rId8"/>
-    <p:sldId id="285" r:id="rId9"/>
-    <p:sldId id="287" r:id="rId10"/>
-    <p:sldId id="286" r:id="rId11"/>
-    <p:sldId id="291" r:id="rId12"/>
-    <p:sldId id="292" r:id="rId13"/>
-    <p:sldId id="293" r:id="rId14"/>
-    <p:sldId id="294" r:id="rId15"/>
-    <p:sldId id="295" r:id="rId16"/>
-    <p:sldId id="276" r:id="rId17"/>
+    <p:sldId id="287" r:id="rId9"/>
+    <p:sldId id="286" r:id="rId10"/>
+    <p:sldId id="293" r:id="rId11"/>
+    <p:sldId id="294" r:id="rId12"/>
+    <p:sldId id="296" r:id="rId13"/>
+    <p:sldId id="276" r:id="rId14"/>
   </p:sldIdLst>
   <p:sldSz cx="9144000" cy="6858000" type="screen4x3"/>
   <p:notesSz cx="6858000" cy="9144000"/>
@@ -801,6 +798,11 @@
         </p:txBody>
       </p:sp>
     </p:spTree>
+    <p:extLst>
+      <p:ext uri="{BB962C8B-B14F-4D97-AF65-F5344CB8AC3E}">
+        <p14:creationId xmlns:p14="http://schemas.microsoft.com/office/powerpoint/2010/main" val="480080961"/>
+      </p:ext>
+    </p:extLst>
   </p:cSld>
   <p:clrMapOvr>
     <a:masterClrMapping/>
@@ -940,7 +942,7 @@
     </p:spTree>
     <p:extLst>
       <p:ext uri="{BB962C8B-B14F-4D97-AF65-F5344CB8AC3E}">
-        <p14:creationId xmlns:p14="http://schemas.microsoft.com/office/powerpoint/2010/main" val="1667172353"/>
+        <p14:creationId xmlns:p14="http://schemas.microsoft.com/office/powerpoint/2010/main" val="1477098152"/>
       </p:ext>
     </p:extLst>
   </p:cSld>
@@ -1082,7 +1084,7 @@
     </p:spTree>
     <p:extLst>
       <p:ext uri="{BB962C8B-B14F-4D97-AF65-F5344CB8AC3E}">
-        <p14:creationId xmlns:p14="http://schemas.microsoft.com/office/powerpoint/2010/main" val="479161943"/>
+        <p14:creationId xmlns:p14="http://schemas.microsoft.com/office/powerpoint/2010/main" val="1284149725"/>
       </p:ext>
     </p:extLst>
   </p:cSld>
@@ -1093,432 +1095,6 @@
 </file>
 
 <file path=ppt/notesSlides/notesSlide13.xml><?xml version="1.0" encoding="utf-8"?>
-<p:notes xmlns:a="http://schemas.openxmlformats.org/drawingml/2006/main" xmlns:r="http://schemas.openxmlformats.org/officeDocument/2006/relationships" xmlns:p="http://schemas.openxmlformats.org/presentationml/2006/main">
-  <p:cSld>
-    <p:bg>
-      <p:bgPr>
-        <a:solidFill>
-          <a:srgbClr val="FFFFFF"/>
-        </a:solidFill>
-        <a:effectLst/>
-      </p:bgPr>
-    </p:bg>
-    <p:spTree>
-      <p:nvGrpSpPr>
-        <p:cNvPr id="1" name=""/>
-        <p:cNvGrpSpPr/>
-        <p:nvPr/>
-      </p:nvGrpSpPr>
-      <p:grpSpPr>
-        <a:xfrm>
-          <a:off x="0" y="0"/>
-          <a:ext cx="0" cy="0"/>
-          <a:chOff x="0" y="0"/>
-          <a:chExt cx="0" cy="0"/>
-        </a:xfrm>
-      </p:grpSpPr>
-      <p:sp>
-        <p:nvSpPr>
-          <p:cNvPr id="22530" name="Rectangle 1">
-            <a:extLst>
-              <a:ext uri="{FF2B5EF4-FFF2-40B4-BE49-F238E27FC236}">
-                <a16:creationId xmlns:a16="http://schemas.microsoft.com/office/drawing/2014/main" id="{B287A7E2-FF4D-B7FA-2009-FB112B33D058}"/>
-              </a:ext>
-            </a:extLst>
-          </p:cNvPr>
-          <p:cNvSpPr>
-            <a:spLocks noGrp="1" noRot="1" noChangeAspect="1" noChangeArrowheads="1" noTextEdit="1"/>
-          </p:cNvSpPr>
-          <p:nvPr>
-            <p:ph type="sldImg"/>
-          </p:nvPr>
-        </p:nvSpPr>
-        <p:spPr>
-          <a:xfrm>
-            <a:off x="1143000" y="695325"/>
-            <a:ext cx="4572000" cy="3429000"/>
-          </a:xfrm>
-          <a:solidFill>
-            <a:srgbClr val="FFFFFF"/>
-          </a:solidFill>
-          <a:ln>
-            <a:solidFill>
-              <a:srgbClr val="000000"/>
-            </a:solidFill>
-            <a:miter lim="800000"/>
-            <a:headEnd/>
-            <a:tailEnd/>
-          </a:ln>
-          <a:extLst>
-            <a:ext uri="{AF507438-7753-43E0-B8FC-AC1667EBCBE1}">
-              <a14:hiddenEffects xmlns:a14="http://schemas.microsoft.com/office/drawing/2010/main">
-                <a:effectLst>
-                  <a:outerShdw dist="35921" dir="2700000" algn="ctr" rotWithShape="0">
-                    <a:srgbClr val="808080"/>
-                  </a:outerShdw>
-                </a:effectLst>
-              </a14:hiddenEffects>
-            </a:ext>
-          </a:extLst>
-        </p:spPr>
-      </p:sp>
-      <p:sp>
-        <p:nvSpPr>
-          <p:cNvPr id="22531" name="Rectangle 2">
-            <a:extLst>
-              <a:ext uri="{FF2B5EF4-FFF2-40B4-BE49-F238E27FC236}">
-                <a16:creationId xmlns:a16="http://schemas.microsoft.com/office/drawing/2014/main" id="{FF16A49D-C2F1-858C-B6CC-E56A9342E18F}"/>
-              </a:ext>
-            </a:extLst>
-          </p:cNvPr>
-          <p:cNvSpPr>
-            <a:spLocks noGrp="1" noChangeArrowheads="1"/>
-          </p:cNvSpPr>
-          <p:nvPr>
-            <p:ph type="body" idx="1"/>
-          </p:nvPr>
-        </p:nvSpPr>
-        <p:spPr>
-          <a:xfrm>
-            <a:off x="685800" y="4343400"/>
-            <a:ext cx="5486400" cy="4114800"/>
-          </a:xfrm>
-          <a:noFill/>
-          <a:extLst>
-            <a:ext uri="{909E8E84-426E-40DD-AFC4-6F175D3DCCD1}">
-              <a14:hiddenFill xmlns:a14="http://schemas.microsoft.com/office/drawing/2010/main">
-                <a:solidFill>
-                  <a:srgbClr val="FFFFFF"/>
-                </a:solidFill>
-              </a14:hiddenFill>
-            </a:ext>
-            <a:ext uri="{91240B29-F687-4F45-9708-019B960494DF}">
-              <a14:hiddenLine xmlns:a14="http://schemas.microsoft.com/office/drawing/2010/main" w="9525" cap="flat">
-                <a:solidFill>
-                  <a:srgbClr val="3465A4"/>
-                </a:solidFill>
-                <a:round/>
-                <a:headEnd/>
-                <a:tailEnd/>
-              </a14:hiddenLine>
-            </a:ext>
-            <a:ext uri="{AF507438-7753-43E0-B8FC-AC1667EBCBE1}">
-              <a14:hiddenEffects xmlns:a14="http://schemas.microsoft.com/office/drawing/2010/main">
-                <a:effectLst>
-                  <a:outerShdw dist="35921" dir="2700000" algn="ctr" rotWithShape="0">
-                    <a:srgbClr val="808080"/>
-                  </a:outerShdw>
-                </a:effectLst>
-              </a14:hiddenEffects>
-            </a:ext>
-          </a:extLst>
-        </p:spPr>
-        <p:txBody>
-          <a:bodyPr wrap="none" anchor="ctr"/>
-          <a:lstStyle/>
-          <a:p>
-            <a:endParaRPr lang="en-US" altLang="en-US"/>
-          </a:p>
-        </p:txBody>
-      </p:sp>
-    </p:spTree>
-    <p:extLst>
-      <p:ext uri="{BB962C8B-B14F-4D97-AF65-F5344CB8AC3E}">
-        <p14:creationId xmlns:p14="http://schemas.microsoft.com/office/powerpoint/2010/main" val="480080961"/>
-      </p:ext>
-    </p:extLst>
-  </p:cSld>
-  <p:clrMapOvr>
-    <a:masterClrMapping/>
-  </p:clrMapOvr>
-</p:notes>
-</file>
-
-<file path=ppt/notesSlides/notesSlide14.xml><?xml version="1.0" encoding="utf-8"?>
-<p:notes xmlns:a="http://schemas.openxmlformats.org/drawingml/2006/main" xmlns:r="http://schemas.openxmlformats.org/officeDocument/2006/relationships" xmlns:p="http://schemas.openxmlformats.org/presentationml/2006/main">
-  <p:cSld>
-    <p:bg>
-      <p:bgPr>
-        <a:solidFill>
-          <a:srgbClr val="FFFFFF"/>
-        </a:solidFill>
-        <a:effectLst/>
-      </p:bgPr>
-    </p:bg>
-    <p:spTree>
-      <p:nvGrpSpPr>
-        <p:cNvPr id="1" name=""/>
-        <p:cNvGrpSpPr/>
-        <p:nvPr/>
-      </p:nvGrpSpPr>
-      <p:grpSpPr>
-        <a:xfrm>
-          <a:off x="0" y="0"/>
-          <a:ext cx="0" cy="0"/>
-          <a:chOff x="0" y="0"/>
-          <a:chExt cx="0" cy="0"/>
-        </a:xfrm>
-      </p:grpSpPr>
-      <p:sp>
-        <p:nvSpPr>
-          <p:cNvPr id="22530" name="Rectangle 1">
-            <a:extLst>
-              <a:ext uri="{FF2B5EF4-FFF2-40B4-BE49-F238E27FC236}">
-                <a16:creationId xmlns:a16="http://schemas.microsoft.com/office/drawing/2014/main" id="{B287A7E2-FF4D-B7FA-2009-FB112B33D058}"/>
-              </a:ext>
-            </a:extLst>
-          </p:cNvPr>
-          <p:cNvSpPr>
-            <a:spLocks noGrp="1" noRot="1" noChangeAspect="1" noChangeArrowheads="1" noTextEdit="1"/>
-          </p:cNvSpPr>
-          <p:nvPr>
-            <p:ph type="sldImg"/>
-          </p:nvPr>
-        </p:nvSpPr>
-        <p:spPr>
-          <a:xfrm>
-            <a:off x="1143000" y="695325"/>
-            <a:ext cx="4572000" cy="3429000"/>
-          </a:xfrm>
-          <a:solidFill>
-            <a:srgbClr val="FFFFFF"/>
-          </a:solidFill>
-          <a:ln>
-            <a:solidFill>
-              <a:srgbClr val="000000"/>
-            </a:solidFill>
-            <a:miter lim="800000"/>
-            <a:headEnd/>
-            <a:tailEnd/>
-          </a:ln>
-          <a:extLst>
-            <a:ext uri="{AF507438-7753-43E0-B8FC-AC1667EBCBE1}">
-              <a14:hiddenEffects xmlns:a14="http://schemas.microsoft.com/office/drawing/2010/main">
-                <a:effectLst>
-                  <a:outerShdw dist="35921" dir="2700000" algn="ctr" rotWithShape="0">
-                    <a:srgbClr val="808080"/>
-                  </a:outerShdw>
-                </a:effectLst>
-              </a14:hiddenEffects>
-            </a:ext>
-          </a:extLst>
-        </p:spPr>
-      </p:sp>
-      <p:sp>
-        <p:nvSpPr>
-          <p:cNvPr id="22531" name="Rectangle 2">
-            <a:extLst>
-              <a:ext uri="{FF2B5EF4-FFF2-40B4-BE49-F238E27FC236}">
-                <a16:creationId xmlns:a16="http://schemas.microsoft.com/office/drawing/2014/main" id="{FF16A49D-C2F1-858C-B6CC-E56A9342E18F}"/>
-              </a:ext>
-            </a:extLst>
-          </p:cNvPr>
-          <p:cNvSpPr>
-            <a:spLocks noGrp="1" noChangeArrowheads="1"/>
-          </p:cNvSpPr>
-          <p:nvPr>
-            <p:ph type="body" idx="1"/>
-          </p:nvPr>
-        </p:nvSpPr>
-        <p:spPr>
-          <a:xfrm>
-            <a:off x="685800" y="4343400"/>
-            <a:ext cx="5486400" cy="4114800"/>
-          </a:xfrm>
-          <a:noFill/>
-          <a:extLst>
-            <a:ext uri="{909E8E84-426E-40DD-AFC4-6F175D3DCCD1}">
-              <a14:hiddenFill xmlns:a14="http://schemas.microsoft.com/office/drawing/2010/main">
-                <a:solidFill>
-                  <a:srgbClr val="FFFFFF"/>
-                </a:solidFill>
-              </a14:hiddenFill>
-            </a:ext>
-            <a:ext uri="{91240B29-F687-4F45-9708-019B960494DF}">
-              <a14:hiddenLine xmlns:a14="http://schemas.microsoft.com/office/drawing/2010/main" w="9525" cap="flat">
-                <a:solidFill>
-                  <a:srgbClr val="3465A4"/>
-                </a:solidFill>
-                <a:round/>
-                <a:headEnd/>
-                <a:tailEnd/>
-              </a14:hiddenLine>
-            </a:ext>
-            <a:ext uri="{AF507438-7753-43E0-B8FC-AC1667EBCBE1}">
-              <a14:hiddenEffects xmlns:a14="http://schemas.microsoft.com/office/drawing/2010/main">
-                <a:effectLst>
-                  <a:outerShdw dist="35921" dir="2700000" algn="ctr" rotWithShape="0">
-                    <a:srgbClr val="808080"/>
-                  </a:outerShdw>
-                </a:effectLst>
-              </a14:hiddenEffects>
-            </a:ext>
-          </a:extLst>
-        </p:spPr>
-        <p:txBody>
-          <a:bodyPr wrap="none" anchor="ctr"/>
-          <a:lstStyle/>
-          <a:p>
-            <a:endParaRPr lang="en-US" altLang="en-US"/>
-          </a:p>
-        </p:txBody>
-      </p:sp>
-    </p:spTree>
-    <p:extLst>
-      <p:ext uri="{BB962C8B-B14F-4D97-AF65-F5344CB8AC3E}">
-        <p14:creationId xmlns:p14="http://schemas.microsoft.com/office/powerpoint/2010/main" val="1477098152"/>
-      </p:ext>
-    </p:extLst>
-  </p:cSld>
-  <p:clrMapOvr>
-    <a:masterClrMapping/>
-  </p:clrMapOvr>
-</p:notes>
-</file>
-
-<file path=ppt/notesSlides/notesSlide15.xml><?xml version="1.0" encoding="utf-8"?>
-<p:notes xmlns:a="http://schemas.openxmlformats.org/drawingml/2006/main" xmlns:r="http://schemas.openxmlformats.org/officeDocument/2006/relationships" xmlns:p="http://schemas.openxmlformats.org/presentationml/2006/main">
-  <p:cSld>
-    <p:bg>
-      <p:bgPr>
-        <a:solidFill>
-          <a:srgbClr val="FFFFFF"/>
-        </a:solidFill>
-        <a:effectLst/>
-      </p:bgPr>
-    </p:bg>
-    <p:spTree>
-      <p:nvGrpSpPr>
-        <p:cNvPr id="1" name=""/>
-        <p:cNvGrpSpPr/>
-        <p:nvPr/>
-      </p:nvGrpSpPr>
-      <p:grpSpPr>
-        <a:xfrm>
-          <a:off x="0" y="0"/>
-          <a:ext cx="0" cy="0"/>
-          <a:chOff x="0" y="0"/>
-          <a:chExt cx="0" cy="0"/>
-        </a:xfrm>
-      </p:grpSpPr>
-      <p:sp>
-        <p:nvSpPr>
-          <p:cNvPr id="22530" name="Rectangle 1">
-            <a:extLst>
-              <a:ext uri="{FF2B5EF4-FFF2-40B4-BE49-F238E27FC236}">
-                <a16:creationId xmlns:a16="http://schemas.microsoft.com/office/drawing/2014/main" id="{B287A7E2-FF4D-B7FA-2009-FB112B33D058}"/>
-              </a:ext>
-            </a:extLst>
-          </p:cNvPr>
-          <p:cNvSpPr>
-            <a:spLocks noGrp="1" noRot="1" noChangeAspect="1" noChangeArrowheads="1" noTextEdit="1"/>
-          </p:cNvSpPr>
-          <p:nvPr>
-            <p:ph type="sldImg"/>
-          </p:nvPr>
-        </p:nvSpPr>
-        <p:spPr>
-          <a:xfrm>
-            <a:off x="1143000" y="695325"/>
-            <a:ext cx="4572000" cy="3429000"/>
-          </a:xfrm>
-          <a:solidFill>
-            <a:srgbClr val="FFFFFF"/>
-          </a:solidFill>
-          <a:ln>
-            <a:solidFill>
-              <a:srgbClr val="000000"/>
-            </a:solidFill>
-            <a:miter lim="800000"/>
-            <a:headEnd/>
-            <a:tailEnd/>
-          </a:ln>
-          <a:extLst>
-            <a:ext uri="{AF507438-7753-43E0-B8FC-AC1667EBCBE1}">
-              <a14:hiddenEffects xmlns:a14="http://schemas.microsoft.com/office/drawing/2010/main">
-                <a:effectLst>
-                  <a:outerShdw dist="35921" dir="2700000" algn="ctr" rotWithShape="0">
-                    <a:srgbClr val="808080"/>
-                  </a:outerShdw>
-                </a:effectLst>
-              </a14:hiddenEffects>
-            </a:ext>
-          </a:extLst>
-        </p:spPr>
-      </p:sp>
-      <p:sp>
-        <p:nvSpPr>
-          <p:cNvPr id="22531" name="Rectangle 2">
-            <a:extLst>
-              <a:ext uri="{FF2B5EF4-FFF2-40B4-BE49-F238E27FC236}">
-                <a16:creationId xmlns:a16="http://schemas.microsoft.com/office/drawing/2014/main" id="{FF16A49D-C2F1-858C-B6CC-E56A9342E18F}"/>
-              </a:ext>
-            </a:extLst>
-          </p:cNvPr>
-          <p:cNvSpPr>
-            <a:spLocks noGrp="1" noChangeArrowheads="1"/>
-          </p:cNvSpPr>
-          <p:nvPr>
-            <p:ph type="body" idx="1"/>
-          </p:nvPr>
-        </p:nvSpPr>
-        <p:spPr>
-          <a:xfrm>
-            <a:off x="685800" y="4343400"/>
-            <a:ext cx="5486400" cy="4114800"/>
-          </a:xfrm>
-          <a:noFill/>
-          <a:extLst>
-            <a:ext uri="{909E8E84-426E-40DD-AFC4-6F175D3DCCD1}">
-              <a14:hiddenFill xmlns:a14="http://schemas.microsoft.com/office/drawing/2010/main">
-                <a:solidFill>
-                  <a:srgbClr val="FFFFFF"/>
-                </a:solidFill>
-              </a14:hiddenFill>
-            </a:ext>
-            <a:ext uri="{91240B29-F687-4F45-9708-019B960494DF}">
-              <a14:hiddenLine xmlns:a14="http://schemas.microsoft.com/office/drawing/2010/main" w="9525" cap="flat">
-                <a:solidFill>
-                  <a:srgbClr val="3465A4"/>
-                </a:solidFill>
-                <a:round/>
-                <a:headEnd/>
-                <a:tailEnd/>
-              </a14:hiddenLine>
-            </a:ext>
-            <a:ext uri="{AF507438-7753-43E0-B8FC-AC1667EBCBE1}">
-              <a14:hiddenEffects xmlns:a14="http://schemas.microsoft.com/office/drawing/2010/main">
-                <a:effectLst>
-                  <a:outerShdw dist="35921" dir="2700000" algn="ctr" rotWithShape="0">
-                    <a:srgbClr val="808080"/>
-                  </a:outerShdw>
-                </a:effectLst>
-              </a14:hiddenEffects>
-            </a:ext>
-          </a:extLst>
-        </p:spPr>
-        <p:txBody>
-          <a:bodyPr wrap="none" anchor="ctr"/>
-          <a:lstStyle/>
-          <a:p>
-            <a:endParaRPr lang="en-US" altLang="en-US"/>
-          </a:p>
-        </p:txBody>
-      </p:sp>
-    </p:spTree>
-    <p:extLst>
-      <p:ext uri="{BB962C8B-B14F-4D97-AF65-F5344CB8AC3E}">
-        <p14:creationId xmlns:p14="http://schemas.microsoft.com/office/powerpoint/2010/main" val="4152072964"/>
-      </p:ext>
-    </p:extLst>
-  </p:cSld>
-  <p:clrMapOvr>
-    <a:masterClrMapping/>
-  </p:clrMapOvr>
-</p:notes>
-</file>
-
-<file path=ppt/notesSlides/notesSlide16.xml><?xml version="1.0" encoding="utf-8"?>
 <p:notes xmlns:a="http://schemas.openxmlformats.org/drawingml/2006/main" xmlns:r="http://schemas.openxmlformats.org/officeDocument/2006/relationships" xmlns:p="http://schemas.openxmlformats.org/presentationml/2006/main">
   <p:cSld>
     <p:bg>
@@ -2509,10 +2085,10 @@
       </p:grpSpPr>
       <p:sp>
         <p:nvSpPr>
-          <p:cNvPr id="18434" name="Rectangle 1">
+          <p:cNvPr id="20482" name="Rectangle 1">
             <a:extLst>
               <a:ext uri="{FF2B5EF4-FFF2-40B4-BE49-F238E27FC236}">
-                <a16:creationId xmlns:a16="http://schemas.microsoft.com/office/drawing/2014/main" id="{715F321A-1639-53C8-5B5B-CF3DA00AB71F}"/>
+                <a16:creationId xmlns:a16="http://schemas.microsoft.com/office/drawing/2014/main" id="{9FAAC88F-6B38-54F0-82E3-95D1034EECC2}"/>
               </a:ext>
             </a:extLst>
           </p:cNvPr>
@@ -2554,10 +2130,10 @@
       </p:sp>
       <p:sp>
         <p:nvSpPr>
-          <p:cNvPr id="18435" name="Rectangle 2">
+          <p:cNvPr id="20483" name="Rectangle 2">
             <a:extLst>
               <a:ext uri="{FF2B5EF4-FFF2-40B4-BE49-F238E27FC236}">
-                <a16:creationId xmlns:a16="http://schemas.microsoft.com/office/drawing/2014/main" id="{F492965F-2808-5C92-B00B-398D85F20876}"/>
+                <a16:creationId xmlns:a16="http://schemas.microsoft.com/office/drawing/2014/main" id="{7AB9217A-10BA-B7CF-4BDC-F72E83ED3051}"/>
               </a:ext>
             </a:extLst>
           </p:cNvPr>
@@ -2646,10 +2222,10 @@
       </p:grpSpPr>
       <p:sp>
         <p:nvSpPr>
-          <p:cNvPr id="20482" name="Rectangle 1">
+          <p:cNvPr id="22530" name="Rectangle 1">
             <a:extLst>
               <a:ext uri="{FF2B5EF4-FFF2-40B4-BE49-F238E27FC236}">
-                <a16:creationId xmlns:a16="http://schemas.microsoft.com/office/drawing/2014/main" id="{9FAAC88F-6B38-54F0-82E3-95D1034EECC2}"/>
+                <a16:creationId xmlns:a16="http://schemas.microsoft.com/office/drawing/2014/main" id="{B287A7E2-FF4D-B7FA-2009-FB112B33D058}"/>
               </a:ext>
             </a:extLst>
           </p:cNvPr>
@@ -2691,10 +2267,10 @@
       </p:sp>
       <p:sp>
         <p:nvSpPr>
-          <p:cNvPr id="20483" name="Rectangle 2">
+          <p:cNvPr id="22531" name="Rectangle 2">
             <a:extLst>
               <a:ext uri="{FF2B5EF4-FFF2-40B4-BE49-F238E27FC236}">
-                <a16:creationId xmlns:a16="http://schemas.microsoft.com/office/drawing/2014/main" id="{7AB9217A-10BA-B7CF-4BDC-F72E83ED3051}"/>
+                <a16:creationId xmlns:a16="http://schemas.microsoft.com/office/drawing/2014/main" id="{FF16A49D-C2F1-858C-B6CC-E56A9342E18F}"/>
               </a:ext>
             </a:extLst>
           </p:cNvPr>
@@ -6964,12 +6540,30 @@
           <a:p>
             <a:pPr algn="ctr"/>
             <a:r>
-              <a:rPr lang="en-US" altLang="ro-RO" sz="2800">
-                <a:latin typeface="Times New Roman" panose="02020603050405020304" pitchFamily="18" charset="0"/>
-                <a:cs typeface="Times New Roman" panose="02020603050405020304" pitchFamily="18" charset="0"/>
-              </a:rPr>
-              <a:t>Analiza exploratorie a datelor</a:t>
-            </a:r>
+              <a:rPr lang="en-US" altLang="ro-RO" sz="2800" dirty="0" err="1">
+                <a:latin typeface="Times New Roman" panose="02020603050405020304" pitchFamily="18" charset="0"/>
+                <a:cs typeface="Times New Roman" panose="02020603050405020304" pitchFamily="18" charset="0"/>
+              </a:rPr>
+              <a:t>Regresie</a:t>
+            </a:r>
+            <a:r>
+              <a:rPr lang="en-US" altLang="ro-RO" sz="2800" dirty="0">
+                <a:latin typeface="Times New Roman" panose="02020603050405020304" pitchFamily="18" charset="0"/>
+                <a:cs typeface="Times New Roman" panose="02020603050405020304" pitchFamily="18" charset="0"/>
+              </a:rPr>
+              <a:t> </a:t>
+            </a:r>
+            <a:r>
+              <a:rPr lang="en-US" altLang="ro-RO" sz="2800" dirty="0" err="1">
+                <a:latin typeface="Times New Roman" panose="02020603050405020304" pitchFamily="18" charset="0"/>
+                <a:cs typeface="Times New Roman" panose="02020603050405020304" pitchFamily="18" charset="0"/>
+              </a:rPr>
+              <a:t>liniară</a:t>
+            </a:r>
+            <a:endParaRPr lang="en-US" altLang="ro-RO" sz="2800" dirty="0">
+              <a:latin typeface="Times New Roman" panose="02020603050405020304" pitchFamily="18" charset="0"/>
+              <a:cs typeface="Times New Roman" panose="02020603050405020304" pitchFamily="18" charset="0"/>
+            </a:endParaRPr>
           </a:p>
         </p:txBody>
       </p:sp>
@@ -6978,7 +6572,7 @@
           <p:cNvPr id="4" name="Picture 3">
             <a:extLst>
               <a:ext uri="{FF2B5EF4-FFF2-40B4-BE49-F238E27FC236}">
-                <a16:creationId xmlns:a16="http://schemas.microsoft.com/office/drawing/2014/main" id="{5FCD7D28-87C5-5FB9-CC2D-602788BBBB68}"/>
+                <a16:creationId xmlns:a16="http://schemas.microsoft.com/office/drawing/2014/main" id="{334A9F1B-0B40-8805-7EDA-FABAD27E20FE}"/>
               </a:ext>
             </a:extLst>
           </p:cNvPr>
@@ -6995,8 +6589,8 @@
         </p:blipFill>
         <p:spPr>
           <a:xfrm>
-            <a:off x="914400" y="1905000"/>
-            <a:ext cx="7772400" cy="4256314"/>
+            <a:off x="685800" y="1828800"/>
+            <a:ext cx="7772400" cy="4213430"/>
           </a:xfrm>
           <a:prstGeom prst="rect">
             <a:avLst/>
@@ -7004,6 +6598,11 @@
         </p:spPr>
       </p:pic>
     </p:spTree>
+    <p:extLst>
+      <p:ext uri="{BB962C8B-B14F-4D97-AF65-F5344CB8AC3E}">
+        <p14:creationId xmlns:p14="http://schemas.microsoft.com/office/powerpoint/2010/main" val="151258506"/>
+      </p:ext>
+    </p:extLst>
   </p:cSld>
   <p:clrMapOvr>
     <a:masterClrMapping/>
@@ -7088,7 +6687,7 @@
         </p:nvSpPr>
         <p:spPr>
           <a:xfrm>
-            <a:off x="3886200" y="457200"/>
+            <a:off x="4524354" y="533400"/>
             <a:ext cx="4627563" cy="854075"/>
           </a:xfrm>
         </p:spPr>
@@ -7098,21 +6697,39 @@
           <a:p>
             <a:pPr algn="ctr"/>
             <a:r>
-              <a:rPr lang="en-US" altLang="ro-RO" sz="2800">
-                <a:latin typeface="Times New Roman" panose="02020603050405020304" pitchFamily="18" charset="0"/>
-                <a:cs typeface="Times New Roman" panose="02020603050405020304" pitchFamily="18" charset="0"/>
-              </a:rPr>
-              <a:t>Analiza exploratorie a datelor</a:t>
-            </a:r>
+              <a:rPr lang="en-US" altLang="ro-RO" sz="2800" dirty="0" err="1">
+                <a:latin typeface="Times New Roman" panose="02020603050405020304" pitchFamily="18" charset="0"/>
+                <a:cs typeface="Times New Roman" panose="02020603050405020304" pitchFamily="18" charset="0"/>
+              </a:rPr>
+              <a:t>Regresie</a:t>
+            </a:r>
+            <a:r>
+              <a:rPr lang="en-US" altLang="ro-RO" sz="2800" dirty="0">
+                <a:latin typeface="Times New Roman" panose="02020603050405020304" pitchFamily="18" charset="0"/>
+                <a:cs typeface="Times New Roman" panose="02020603050405020304" pitchFamily="18" charset="0"/>
+              </a:rPr>
+              <a:t> </a:t>
+            </a:r>
+            <a:r>
+              <a:rPr lang="en-US" altLang="ro-RO" sz="2800" dirty="0" err="1">
+                <a:latin typeface="Times New Roman" panose="02020603050405020304" pitchFamily="18" charset="0"/>
+                <a:cs typeface="Times New Roman" panose="02020603050405020304" pitchFamily="18" charset="0"/>
+              </a:rPr>
+              <a:t>liniară</a:t>
+            </a:r>
+            <a:endParaRPr lang="en-US" altLang="ro-RO" sz="2800" dirty="0">
+              <a:latin typeface="Times New Roman" panose="02020603050405020304" pitchFamily="18" charset="0"/>
+              <a:cs typeface="Times New Roman" panose="02020603050405020304" pitchFamily="18" charset="0"/>
+            </a:endParaRPr>
           </a:p>
         </p:txBody>
       </p:sp>
       <p:pic>
         <p:nvPicPr>
-          <p:cNvPr id="2" name="Picture 1">
+          <p:cNvPr id="4" name="Picture 3">
             <a:extLst>
               <a:ext uri="{FF2B5EF4-FFF2-40B4-BE49-F238E27FC236}">
-                <a16:creationId xmlns:a16="http://schemas.microsoft.com/office/drawing/2014/main" id="{51D95F67-54AA-06AA-7E83-FBDB639FA1D4}"/>
+                <a16:creationId xmlns:a16="http://schemas.microsoft.com/office/drawing/2014/main" id="{C97F1346-EF3A-753D-5134-52DAB2CE6FFD}"/>
               </a:ext>
             </a:extLst>
           </p:cNvPr>
@@ -7129,8 +6746,8 @@
         </p:blipFill>
         <p:spPr>
           <a:xfrm>
-            <a:off x="685800" y="1828800"/>
-            <a:ext cx="7772400" cy="4211404"/>
+            <a:off x="685800" y="1981200"/>
+            <a:ext cx="7772400" cy="4186386"/>
           </a:xfrm>
           <a:prstGeom prst="rect">
             <a:avLst/>
@@ -7140,7 +6757,7 @@
     </p:spTree>
     <p:extLst>
       <p:ext uri="{BB962C8B-B14F-4D97-AF65-F5344CB8AC3E}">
-        <p14:creationId xmlns:p14="http://schemas.microsoft.com/office/powerpoint/2010/main" val="2906217360"/>
+        <p14:creationId xmlns:p14="http://schemas.microsoft.com/office/powerpoint/2010/main" val="2270262991"/>
       </p:ext>
     </p:extLst>
   </p:cSld>
@@ -7227,7 +6844,7 @@
         </p:nvSpPr>
         <p:spPr>
           <a:xfrm>
-            <a:off x="3886200" y="457200"/>
+            <a:off x="4524354" y="533400"/>
             <a:ext cx="4627563" cy="854075"/>
           </a:xfrm>
         </p:spPr>
@@ -7237,12 +6854,16 @@
           <a:p>
             <a:pPr algn="ctr"/>
             <a:r>
-              <a:rPr lang="en-US" altLang="ro-RO" sz="2800">
-                <a:latin typeface="Times New Roman" panose="02020603050405020304" pitchFamily="18" charset="0"/>
-                <a:cs typeface="Times New Roman" panose="02020603050405020304" pitchFamily="18" charset="0"/>
-              </a:rPr>
-              <a:t>Analiza exploratorie a datelor</a:t>
-            </a:r>
+              <a:rPr lang="en-US" altLang="ro-RO" sz="2800" dirty="0" err="1">
+                <a:latin typeface="Times New Roman" panose="02020603050405020304" pitchFamily="18" charset="0"/>
+                <a:cs typeface="Times New Roman" panose="02020603050405020304" pitchFamily="18" charset="0"/>
+              </a:rPr>
+              <a:t>Acuratețea</a:t>
+            </a:r>
+            <a:endParaRPr lang="en-US" altLang="ro-RO" sz="2800" dirty="0">
+              <a:latin typeface="Times New Roman" panose="02020603050405020304" pitchFamily="18" charset="0"/>
+              <a:cs typeface="Times New Roman" panose="02020603050405020304" pitchFamily="18" charset="0"/>
+            </a:endParaRPr>
           </a:p>
         </p:txBody>
       </p:sp>
@@ -7251,7 +6872,7 @@
           <p:cNvPr id="3" name="Picture 2">
             <a:extLst>
               <a:ext uri="{FF2B5EF4-FFF2-40B4-BE49-F238E27FC236}">
-                <a16:creationId xmlns:a16="http://schemas.microsoft.com/office/drawing/2014/main" id="{085D3D36-CA68-45B2-F225-E720B827B563}"/>
+                <a16:creationId xmlns:a16="http://schemas.microsoft.com/office/drawing/2014/main" id="{60D61741-3E35-2332-EB0E-841AB9970F9B}"/>
               </a:ext>
             </a:extLst>
           </p:cNvPr>
@@ -7268,18 +6889,211 @@
         </p:blipFill>
         <p:spPr>
           <a:xfrm>
-            <a:off x="545055" y="1905000"/>
-            <a:ext cx="8053890" cy="4360421"/>
+            <a:off x="1764419" y="3152001"/>
+            <a:ext cx="6529349" cy="2717800"/>
           </a:xfrm>
           <a:prstGeom prst="rect">
             <a:avLst/>
           </a:prstGeom>
         </p:spPr>
       </p:pic>
+      <p:sp>
+        <p:nvSpPr>
+          <p:cNvPr id="5" name="TextBox 4">
+            <a:extLst>
+              <a:ext uri="{FF2B5EF4-FFF2-40B4-BE49-F238E27FC236}">
+                <a16:creationId xmlns:a16="http://schemas.microsoft.com/office/drawing/2014/main" id="{115DABE5-FDB8-195F-84B1-197A89E1D651}"/>
+              </a:ext>
+            </a:extLst>
+          </p:cNvPr>
+          <p:cNvSpPr txBox="1"/>
+          <p:nvPr/>
+        </p:nvSpPr>
+        <p:spPr>
+          <a:xfrm>
+            <a:off x="838200" y="1984822"/>
+            <a:ext cx="7848600" cy="1167179"/>
+          </a:xfrm>
+          <a:prstGeom prst="rect">
+            <a:avLst/>
+          </a:prstGeom>
+          <a:noFill/>
+        </p:spPr>
+        <p:txBody>
+          <a:bodyPr wrap="square">
+            <a:spAutoFit/>
+          </a:bodyPr>
+          <a:lstStyle/>
+          <a:p>
+            <a:pPr marL="0" marR="0" indent="457200" algn="just">
+              <a:lnSpc>
+                <a:spcPct val="150000"/>
+              </a:lnSpc>
+              <a:spcBef>
+                <a:spcPts val="0"/>
+              </a:spcBef>
+              <a:spcAft>
+                <a:spcPts val="0"/>
+              </a:spcAft>
+            </a:pPr>
+            <a:r>
+              <a:rPr lang="ro-RO" sz="1200" kern="100" dirty="0">
+                <a:solidFill>
+                  <a:schemeClr val="tx1"/>
+                </a:solidFill>
+                <a:effectLst/>
+                <a:latin typeface="Times New Roman" panose="02020603050405020304" pitchFamily="18" charset="0"/>
+                <a:ea typeface="Calibri" panose="020F0502020204030204" pitchFamily="34" charset="0"/>
+                <a:cs typeface="Times New Roman" panose="02020603050405020304" pitchFamily="18" charset="0"/>
+              </a:rPr>
+              <a:t>Predicția se referă la valoarea estimată a unei variabile dependente pe baza valorilor cunoscute ale variabilelor independente. Modelele lineare utilizează o relație liniară între variabilele independente și dependentă.</a:t>
+            </a:r>
+            <a:endParaRPr lang="en-US" sz="1200" kern="100" dirty="0">
+              <a:solidFill>
+                <a:schemeClr val="tx1"/>
+              </a:solidFill>
+              <a:effectLst/>
+              <a:latin typeface="Times New Roman" panose="02020603050405020304" pitchFamily="18" charset="0"/>
+              <a:ea typeface="Calibri" panose="020F0502020204030204" pitchFamily="34" charset="0"/>
+              <a:cs typeface="Times New Roman" panose="02020603050405020304" pitchFamily="18" charset="0"/>
+            </a:endParaRPr>
+          </a:p>
+          <a:p>
+            <a:pPr marL="0" marR="0" indent="457200" algn="just">
+              <a:lnSpc>
+                <a:spcPct val="150000"/>
+              </a:lnSpc>
+              <a:spcBef>
+                <a:spcPts val="0"/>
+              </a:spcBef>
+              <a:spcAft>
+                <a:spcPts val="0"/>
+              </a:spcAft>
+            </a:pPr>
+            <a:r>
+              <a:rPr lang="ro-RO" sz="1200" kern="100" dirty="0">
+                <a:solidFill>
+                  <a:schemeClr val="tx1"/>
+                </a:solidFill>
+                <a:effectLst/>
+                <a:latin typeface="Times New Roman" panose="02020603050405020304" pitchFamily="18" charset="0"/>
+                <a:ea typeface="Calibri" panose="020F0502020204030204" pitchFamily="34" charset="0"/>
+                <a:cs typeface="Times New Roman" panose="02020603050405020304" pitchFamily="18" charset="0"/>
+              </a:rPr>
+              <a:t>Acuratețea modelelor lineare este evaluată de obicei utilizând metrici precum R-</a:t>
+            </a:r>
+            <a:r>
+              <a:rPr lang="ro-RO" sz="1200" kern="100" dirty="0" err="1">
+                <a:solidFill>
+                  <a:schemeClr val="tx1"/>
+                </a:solidFill>
+                <a:effectLst/>
+                <a:latin typeface="Times New Roman" panose="02020603050405020304" pitchFamily="18" charset="0"/>
+                <a:ea typeface="Calibri" panose="020F0502020204030204" pitchFamily="34" charset="0"/>
+                <a:cs typeface="Times New Roman" panose="02020603050405020304" pitchFamily="18" charset="0"/>
+              </a:rPr>
+              <a:t>squared</a:t>
+            </a:r>
+            <a:r>
+              <a:rPr lang="ro-RO" sz="1200" kern="100" dirty="0">
+                <a:solidFill>
+                  <a:schemeClr val="tx1"/>
+                </a:solidFill>
+                <a:effectLst/>
+                <a:latin typeface="Times New Roman" panose="02020603050405020304" pitchFamily="18" charset="0"/>
+                <a:ea typeface="Calibri" panose="020F0502020204030204" pitchFamily="34" charset="0"/>
+                <a:cs typeface="Times New Roman" panose="02020603050405020304" pitchFamily="18" charset="0"/>
+              </a:rPr>
+              <a:t> (R^2 ), </a:t>
+            </a:r>
+            <a:r>
+              <a:rPr lang="ro-RO" sz="1200" kern="100" dirty="0" err="1">
+                <a:solidFill>
+                  <a:schemeClr val="tx1"/>
+                </a:solidFill>
+                <a:effectLst/>
+                <a:latin typeface="Times New Roman" panose="02020603050405020304" pitchFamily="18" charset="0"/>
+                <a:ea typeface="Calibri" panose="020F0502020204030204" pitchFamily="34" charset="0"/>
+                <a:cs typeface="Times New Roman" panose="02020603050405020304" pitchFamily="18" charset="0"/>
+              </a:rPr>
+              <a:t>mean</a:t>
+            </a:r>
+            <a:r>
+              <a:rPr lang="ro-RO" sz="1200" kern="100" dirty="0">
+                <a:solidFill>
+                  <a:schemeClr val="tx1"/>
+                </a:solidFill>
+                <a:effectLst/>
+                <a:latin typeface="Times New Roman" panose="02020603050405020304" pitchFamily="18" charset="0"/>
+                <a:ea typeface="Calibri" panose="020F0502020204030204" pitchFamily="34" charset="0"/>
+                <a:cs typeface="Times New Roman" panose="02020603050405020304" pitchFamily="18" charset="0"/>
+              </a:rPr>
+              <a:t> </a:t>
+            </a:r>
+            <a:r>
+              <a:rPr lang="ro-RO" sz="1200" kern="100" dirty="0" err="1">
+                <a:solidFill>
+                  <a:schemeClr val="tx1"/>
+                </a:solidFill>
+                <a:effectLst/>
+                <a:latin typeface="Times New Roman" panose="02020603050405020304" pitchFamily="18" charset="0"/>
+                <a:ea typeface="Calibri" panose="020F0502020204030204" pitchFamily="34" charset="0"/>
+                <a:cs typeface="Times New Roman" panose="02020603050405020304" pitchFamily="18" charset="0"/>
+              </a:rPr>
+              <a:t>squared</a:t>
+            </a:r>
+            <a:r>
+              <a:rPr lang="ro-RO" sz="1200" kern="100" dirty="0">
+                <a:solidFill>
+                  <a:schemeClr val="tx1"/>
+                </a:solidFill>
+                <a:effectLst/>
+                <a:latin typeface="Times New Roman" panose="02020603050405020304" pitchFamily="18" charset="0"/>
+                <a:ea typeface="Calibri" panose="020F0502020204030204" pitchFamily="34" charset="0"/>
+                <a:cs typeface="Times New Roman" panose="02020603050405020304" pitchFamily="18" charset="0"/>
+              </a:rPr>
+              <a:t> </a:t>
+            </a:r>
+            <a:r>
+              <a:rPr lang="ro-RO" sz="1200" kern="100" dirty="0" err="1">
+                <a:solidFill>
+                  <a:schemeClr val="tx1"/>
+                </a:solidFill>
+                <a:effectLst/>
+                <a:latin typeface="Times New Roman" panose="02020603050405020304" pitchFamily="18" charset="0"/>
+                <a:ea typeface="Calibri" panose="020F0502020204030204" pitchFamily="34" charset="0"/>
+                <a:cs typeface="Times New Roman" panose="02020603050405020304" pitchFamily="18" charset="0"/>
+              </a:rPr>
+              <a:t>error</a:t>
+            </a:r>
+            <a:r>
+              <a:rPr lang="ro-RO" sz="1200" kern="100" dirty="0">
+                <a:solidFill>
+                  <a:schemeClr val="tx1"/>
+                </a:solidFill>
+                <a:effectLst/>
+                <a:latin typeface="Times New Roman" panose="02020603050405020304" pitchFamily="18" charset="0"/>
+                <a:ea typeface="Calibri" panose="020F0502020204030204" pitchFamily="34" charset="0"/>
+                <a:cs typeface="Times New Roman" panose="02020603050405020304" pitchFamily="18" charset="0"/>
+              </a:rPr>
+              <a:t> (MSE), sau alte metrici relevante în funcție de contextul problemei.</a:t>
+            </a:r>
+            <a:endParaRPr lang="en-US" sz="1200" kern="100" dirty="0">
+              <a:solidFill>
+                <a:schemeClr val="tx1"/>
+              </a:solidFill>
+              <a:effectLst/>
+              <a:latin typeface="Times New Roman" panose="02020603050405020304" pitchFamily="18" charset="0"/>
+              <a:ea typeface="Calibri" panose="020F0502020204030204" pitchFamily="34" charset="0"/>
+              <a:cs typeface="Times New Roman" panose="02020603050405020304" pitchFamily="18" charset="0"/>
+            </a:endParaRPr>
+          </a:p>
+        </p:txBody>
+      </p:sp>
     </p:spTree>
     <p:extLst>
       <p:ext uri="{BB962C8B-B14F-4D97-AF65-F5344CB8AC3E}">
-        <p14:creationId xmlns:p14="http://schemas.microsoft.com/office/powerpoint/2010/main" val="4018953935"/>
+        <p14:creationId xmlns:p14="http://schemas.microsoft.com/office/powerpoint/2010/main" val="2248298602"/>
       </p:ext>
     </p:extLst>
   </p:cSld>
@@ -7320,477 +7134,6 @@
 </file>
 
 <file path=ppt/slides/slide13.xml><?xml version="1.0" encoding="utf-8"?>
-<p:sld xmlns:a="http://schemas.openxmlformats.org/drawingml/2006/main" xmlns:r="http://schemas.openxmlformats.org/officeDocument/2006/relationships" xmlns:p="http://schemas.openxmlformats.org/presentationml/2006/main">
-  <p:cSld>
-    <p:bg>
-      <p:bgPr>
-        <a:blipFill dpi="0" rotWithShape="0">
-          <a:blip r:embed="rId3"/>
-          <a:srcRect/>
-          <a:stretch>
-            <a:fillRect/>
-          </a:stretch>
-        </a:blipFill>
-        <a:effectLst/>
-      </p:bgPr>
-    </p:bg>
-    <p:spTree>
-      <p:nvGrpSpPr>
-        <p:cNvPr id="1" name=""/>
-        <p:cNvGrpSpPr/>
-        <p:nvPr/>
-      </p:nvGrpSpPr>
-      <p:grpSpPr>
-        <a:xfrm>
-          <a:off x="0" y="0"/>
-          <a:ext cx="0" cy="0"/>
-          <a:chOff x="0" y="0"/>
-          <a:chExt cx="0" cy="0"/>
-        </a:xfrm>
-      </p:grpSpPr>
-      <p:sp>
-        <p:nvSpPr>
-          <p:cNvPr id="21506" name="Title 1">
-            <a:extLst>
-              <a:ext uri="{FF2B5EF4-FFF2-40B4-BE49-F238E27FC236}">
-                <a16:creationId xmlns:a16="http://schemas.microsoft.com/office/drawing/2014/main" id="{D2C373E8-E152-494B-C136-07D02D71F2D3}"/>
-              </a:ext>
-            </a:extLst>
-          </p:cNvPr>
-          <p:cNvSpPr>
-            <a:spLocks noGrp="1" noChangeArrowheads="1"/>
-          </p:cNvSpPr>
-          <p:nvPr>
-            <p:ph type="title"/>
-          </p:nvPr>
-        </p:nvSpPr>
-        <p:spPr>
-          <a:xfrm>
-            <a:off x="3886200" y="457200"/>
-            <a:ext cx="4627563" cy="854075"/>
-          </a:xfrm>
-        </p:spPr>
-        <p:txBody>
-          <a:bodyPr/>
-          <a:lstStyle/>
-          <a:p>
-            <a:pPr algn="ctr"/>
-            <a:r>
-              <a:rPr lang="en-US" altLang="ro-RO" sz="2800" dirty="0" err="1">
-                <a:latin typeface="Times New Roman" panose="02020603050405020304" pitchFamily="18" charset="0"/>
-                <a:cs typeface="Times New Roman" panose="02020603050405020304" pitchFamily="18" charset="0"/>
-              </a:rPr>
-              <a:t>Regresie</a:t>
-            </a:r>
-            <a:r>
-              <a:rPr lang="en-US" altLang="ro-RO" sz="2800" dirty="0">
-                <a:latin typeface="Times New Roman" panose="02020603050405020304" pitchFamily="18" charset="0"/>
-                <a:cs typeface="Times New Roman" panose="02020603050405020304" pitchFamily="18" charset="0"/>
-              </a:rPr>
-              <a:t> </a:t>
-            </a:r>
-            <a:r>
-              <a:rPr lang="en-US" altLang="ro-RO" sz="2800" dirty="0" err="1">
-                <a:latin typeface="Times New Roman" panose="02020603050405020304" pitchFamily="18" charset="0"/>
-                <a:cs typeface="Times New Roman" panose="02020603050405020304" pitchFamily="18" charset="0"/>
-              </a:rPr>
-              <a:t>liniară</a:t>
-            </a:r>
-            <a:endParaRPr lang="en-US" altLang="ro-RO" sz="2800" dirty="0">
-              <a:latin typeface="Times New Roman" panose="02020603050405020304" pitchFamily="18" charset="0"/>
-              <a:cs typeface="Times New Roman" panose="02020603050405020304" pitchFamily="18" charset="0"/>
-            </a:endParaRPr>
-          </a:p>
-        </p:txBody>
-      </p:sp>
-      <p:pic>
-        <p:nvPicPr>
-          <p:cNvPr id="4" name="Picture 3">
-            <a:extLst>
-              <a:ext uri="{FF2B5EF4-FFF2-40B4-BE49-F238E27FC236}">
-                <a16:creationId xmlns:a16="http://schemas.microsoft.com/office/drawing/2014/main" id="{334A9F1B-0B40-8805-7EDA-FABAD27E20FE}"/>
-              </a:ext>
-            </a:extLst>
-          </p:cNvPr>
-          <p:cNvPicPr>
-            <a:picLocks noChangeAspect="1"/>
-          </p:cNvPicPr>
-          <p:nvPr/>
-        </p:nvPicPr>
-        <p:blipFill>
-          <a:blip r:embed="rId4"/>
-          <a:stretch>
-            <a:fillRect/>
-          </a:stretch>
-        </p:blipFill>
-        <p:spPr>
-          <a:xfrm>
-            <a:off x="685800" y="1828800"/>
-            <a:ext cx="7772400" cy="4213430"/>
-          </a:xfrm>
-          <a:prstGeom prst="rect">
-            <a:avLst/>
-          </a:prstGeom>
-        </p:spPr>
-      </p:pic>
-    </p:spTree>
-    <p:extLst>
-      <p:ext uri="{BB962C8B-B14F-4D97-AF65-F5344CB8AC3E}">
-        <p14:creationId xmlns:p14="http://schemas.microsoft.com/office/powerpoint/2010/main" val="151258506"/>
-      </p:ext>
-    </p:extLst>
-  </p:cSld>
-  <p:clrMapOvr>
-    <a:masterClrMapping/>
-  </p:clrMapOvr>
-  <p:transition spd="slow">
-    <p:wipe/>
-  </p:transition>
-  <p:timing>
-    <p:tnLst>
-      <p:par>
-        <p:cTn id="1" dur="indefinite" restart="never" nodeType="tmRoot">
-          <p:childTnLst>
-            <p:seq concurrent="1" nextAc="seek">
-              <p:cTn id="2" dur="indefinite" nodeType="mainSeq"/>
-              <p:prevCondLst>
-                <p:cond evt="onPrev" delay="0">
-                  <p:tgtEl>
-                    <p:sldTgt/>
-                  </p:tgtEl>
-                </p:cond>
-              </p:prevCondLst>
-              <p:nextCondLst>
-                <p:cond evt="onNext" delay="0">
-                  <p:tgtEl>
-                    <p:sldTgt/>
-                  </p:tgtEl>
-                </p:cond>
-              </p:nextCondLst>
-            </p:seq>
-          </p:childTnLst>
-        </p:cTn>
-      </p:par>
-    </p:tnLst>
-  </p:timing>
-</p:sld>
-</file>
-
-<file path=ppt/slides/slide14.xml><?xml version="1.0" encoding="utf-8"?>
-<p:sld xmlns:a="http://schemas.openxmlformats.org/drawingml/2006/main" xmlns:r="http://schemas.openxmlformats.org/officeDocument/2006/relationships" xmlns:p="http://schemas.openxmlformats.org/presentationml/2006/main">
-  <p:cSld>
-    <p:bg>
-      <p:bgPr>
-        <a:blipFill dpi="0" rotWithShape="0">
-          <a:blip r:embed="rId3"/>
-          <a:srcRect/>
-          <a:stretch>
-            <a:fillRect/>
-          </a:stretch>
-        </a:blipFill>
-        <a:effectLst/>
-      </p:bgPr>
-    </p:bg>
-    <p:spTree>
-      <p:nvGrpSpPr>
-        <p:cNvPr id="1" name=""/>
-        <p:cNvGrpSpPr/>
-        <p:nvPr/>
-      </p:nvGrpSpPr>
-      <p:grpSpPr>
-        <a:xfrm>
-          <a:off x="0" y="0"/>
-          <a:ext cx="0" cy="0"/>
-          <a:chOff x="0" y="0"/>
-          <a:chExt cx="0" cy="0"/>
-        </a:xfrm>
-      </p:grpSpPr>
-      <p:sp>
-        <p:nvSpPr>
-          <p:cNvPr id="21506" name="Title 1">
-            <a:extLst>
-              <a:ext uri="{FF2B5EF4-FFF2-40B4-BE49-F238E27FC236}">
-                <a16:creationId xmlns:a16="http://schemas.microsoft.com/office/drawing/2014/main" id="{D2C373E8-E152-494B-C136-07D02D71F2D3}"/>
-              </a:ext>
-            </a:extLst>
-          </p:cNvPr>
-          <p:cNvSpPr>
-            <a:spLocks noGrp="1" noChangeArrowheads="1"/>
-          </p:cNvSpPr>
-          <p:nvPr>
-            <p:ph type="title"/>
-          </p:nvPr>
-        </p:nvSpPr>
-        <p:spPr>
-          <a:xfrm>
-            <a:off x="4524354" y="533400"/>
-            <a:ext cx="4627563" cy="854075"/>
-          </a:xfrm>
-        </p:spPr>
-        <p:txBody>
-          <a:bodyPr/>
-          <a:lstStyle/>
-          <a:p>
-            <a:pPr algn="ctr"/>
-            <a:r>
-              <a:rPr lang="en-US" altLang="ro-RO" sz="2800" dirty="0" err="1">
-                <a:latin typeface="Times New Roman" panose="02020603050405020304" pitchFamily="18" charset="0"/>
-                <a:cs typeface="Times New Roman" panose="02020603050405020304" pitchFamily="18" charset="0"/>
-              </a:rPr>
-              <a:t>Regresie</a:t>
-            </a:r>
-            <a:r>
-              <a:rPr lang="en-US" altLang="ro-RO" sz="2800" dirty="0">
-                <a:latin typeface="Times New Roman" panose="02020603050405020304" pitchFamily="18" charset="0"/>
-                <a:cs typeface="Times New Roman" panose="02020603050405020304" pitchFamily="18" charset="0"/>
-              </a:rPr>
-              <a:t> </a:t>
-            </a:r>
-            <a:r>
-              <a:rPr lang="en-US" altLang="ro-RO" sz="2800" dirty="0" err="1">
-                <a:latin typeface="Times New Roman" panose="02020603050405020304" pitchFamily="18" charset="0"/>
-                <a:cs typeface="Times New Roman" panose="02020603050405020304" pitchFamily="18" charset="0"/>
-              </a:rPr>
-              <a:t>liniară</a:t>
-            </a:r>
-            <a:endParaRPr lang="en-US" altLang="ro-RO" sz="2800" dirty="0">
-              <a:latin typeface="Times New Roman" panose="02020603050405020304" pitchFamily="18" charset="0"/>
-              <a:cs typeface="Times New Roman" panose="02020603050405020304" pitchFamily="18" charset="0"/>
-            </a:endParaRPr>
-          </a:p>
-        </p:txBody>
-      </p:sp>
-      <p:pic>
-        <p:nvPicPr>
-          <p:cNvPr id="4" name="Picture 3">
-            <a:extLst>
-              <a:ext uri="{FF2B5EF4-FFF2-40B4-BE49-F238E27FC236}">
-                <a16:creationId xmlns:a16="http://schemas.microsoft.com/office/drawing/2014/main" id="{C97F1346-EF3A-753D-5134-52DAB2CE6FFD}"/>
-              </a:ext>
-            </a:extLst>
-          </p:cNvPr>
-          <p:cNvPicPr>
-            <a:picLocks noChangeAspect="1"/>
-          </p:cNvPicPr>
-          <p:nvPr/>
-        </p:nvPicPr>
-        <p:blipFill>
-          <a:blip r:embed="rId4"/>
-          <a:stretch>
-            <a:fillRect/>
-          </a:stretch>
-        </p:blipFill>
-        <p:spPr>
-          <a:xfrm>
-            <a:off x="685800" y="1981200"/>
-            <a:ext cx="7772400" cy="4186386"/>
-          </a:xfrm>
-          <a:prstGeom prst="rect">
-            <a:avLst/>
-          </a:prstGeom>
-        </p:spPr>
-      </p:pic>
-    </p:spTree>
-    <p:extLst>
-      <p:ext uri="{BB962C8B-B14F-4D97-AF65-F5344CB8AC3E}">
-        <p14:creationId xmlns:p14="http://schemas.microsoft.com/office/powerpoint/2010/main" val="2270262991"/>
-      </p:ext>
-    </p:extLst>
-  </p:cSld>
-  <p:clrMapOvr>
-    <a:masterClrMapping/>
-  </p:clrMapOvr>
-  <p:transition spd="slow">
-    <p:wipe/>
-  </p:transition>
-  <p:timing>
-    <p:tnLst>
-      <p:par>
-        <p:cTn id="1" dur="indefinite" restart="never" nodeType="tmRoot">
-          <p:childTnLst>
-            <p:seq concurrent="1" nextAc="seek">
-              <p:cTn id="2" dur="indefinite" nodeType="mainSeq"/>
-              <p:prevCondLst>
-                <p:cond evt="onPrev" delay="0">
-                  <p:tgtEl>
-                    <p:sldTgt/>
-                  </p:tgtEl>
-                </p:cond>
-              </p:prevCondLst>
-              <p:nextCondLst>
-                <p:cond evt="onNext" delay="0">
-                  <p:tgtEl>
-                    <p:sldTgt/>
-                  </p:tgtEl>
-                </p:cond>
-              </p:nextCondLst>
-            </p:seq>
-          </p:childTnLst>
-        </p:cTn>
-      </p:par>
-    </p:tnLst>
-  </p:timing>
-</p:sld>
-</file>
-
-<file path=ppt/slides/slide15.xml><?xml version="1.0" encoding="utf-8"?>
-<p:sld xmlns:a="http://schemas.openxmlformats.org/drawingml/2006/main" xmlns:r="http://schemas.openxmlformats.org/officeDocument/2006/relationships" xmlns:p="http://schemas.openxmlformats.org/presentationml/2006/main">
-  <p:cSld>
-    <p:bg>
-      <p:bgPr>
-        <a:blipFill dpi="0" rotWithShape="0">
-          <a:blip r:embed="rId3"/>
-          <a:srcRect/>
-          <a:stretch>
-            <a:fillRect/>
-          </a:stretch>
-        </a:blipFill>
-        <a:effectLst/>
-      </p:bgPr>
-    </p:bg>
-    <p:spTree>
-      <p:nvGrpSpPr>
-        <p:cNvPr id="1" name=""/>
-        <p:cNvGrpSpPr/>
-        <p:nvPr/>
-      </p:nvGrpSpPr>
-      <p:grpSpPr>
-        <a:xfrm>
-          <a:off x="0" y="0"/>
-          <a:ext cx="0" cy="0"/>
-          <a:chOff x="0" y="0"/>
-          <a:chExt cx="0" cy="0"/>
-        </a:xfrm>
-      </p:grpSpPr>
-      <p:sp>
-        <p:nvSpPr>
-          <p:cNvPr id="21506" name="Title 1">
-            <a:extLst>
-              <a:ext uri="{FF2B5EF4-FFF2-40B4-BE49-F238E27FC236}">
-                <a16:creationId xmlns:a16="http://schemas.microsoft.com/office/drawing/2014/main" id="{D2C373E8-E152-494B-C136-07D02D71F2D3}"/>
-              </a:ext>
-            </a:extLst>
-          </p:cNvPr>
-          <p:cNvSpPr>
-            <a:spLocks noGrp="1" noChangeArrowheads="1"/>
-          </p:cNvSpPr>
-          <p:nvPr>
-            <p:ph type="title"/>
-          </p:nvPr>
-        </p:nvSpPr>
-        <p:spPr>
-          <a:xfrm>
-            <a:off x="4524354" y="533400"/>
-            <a:ext cx="4627563" cy="854075"/>
-          </a:xfrm>
-        </p:spPr>
-        <p:txBody>
-          <a:bodyPr/>
-          <a:lstStyle/>
-          <a:p>
-            <a:pPr algn="ctr"/>
-            <a:r>
-              <a:rPr lang="en-US" altLang="ro-RO" sz="2800" dirty="0" err="1">
-                <a:latin typeface="Times New Roman" panose="02020603050405020304" pitchFamily="18" charset="0"/>
-                <a:cs typeface="Times New Roman" panose="02020603050405020304" pitchFamily="18" charset="0"/>
-              </a:rPr>
-              <a:t>Regresie</a:t>
-            </a:r>
-            <a:r>
-              <a:rPr lang="en-US" altLang="ro-RO" sz="2800" dirty="0">
-                <a:latin typeface="Times New Roman" panose="02020603050405020304" pitchFamily="18" charset="0"/>
-                <a:cs typeface="Times New Roman" panose="02020603050405020304" pitchFamily="18" charset="0"/>
-              </a:rPr>
-              <a:t> </a:t>
-            </a:r>
-            <a:r>
-              <a:rPr lang="en-US" altLang="ro-RO" sz="2800" dirty="0" err="1">
-                <a:latin typeface="Times New Roman" panose="02020603050405020304" pitchFamily="18" charset="0"/>
-                <a:cs typeface="Times New Roman" panose="02020603050405020304" pitchFamily="18" charset="0"/>
-              </a:rPr>
-              <a:t>liniară</a:t>
-            </a:r>
-            <a:endParaRPr lang="en-US" altLang="ro-RO" sz="2800" dirty="0">
-              <a:latin typeface="Times New Roman" panose="02020603050405020304" pitchFamily="18" charset="0"/>
-              <a:cs typeface="Times New Roman" panose="02020603050405020304" pitchFamily="18" charset="0"/>
-            </a:endParaRPr>
-          </a:p>
-        </p:txBody>
-      </p:sp>
-      <p:pic>
-        <p:nvPicPr>
-          <p:cNvPr id="2" name="Picture 1">
-            <a:extLst>
-              <a:ext uri="{FF2B5EF4-FFF2-40B4-BE49-F238E27FC236}">
-                <a16:creationId xmlns:a16="http://schemas.microsoft.com/office/drawing/2014/main" id="{BDE6D322-D665-B0DE-EA91-1F1090669E50}"/>
-              </a:ext>
-            </a:extLst>
-          </p:cNvPr>
-          <p:cNvPicPr>
-            <a:picLocks noChangeAspect="1"/>
-          </p:cNvPicPr>
-          <p:nvPr/>
-        </p:nvPicPr>
-        <p:blipFill>
-          <a:blip r:embed="rId4"/>
-          <a:stretch>
-            <a:fillRect/>
-          </a:stretch>
-        </p:blipFill>
-        <p:spPr>
-          <a:xfrm>
-            <a:off x="685800" y="1828800"/>
-            <a:ext cx="7772400" cy="4857750"/>
-          </a:xfrm>
-          <a:prstGeom prst="rect">
-            <a:avLst/>
-          </a:prstGeom>
-        </p:spPr>
-      </p:pic>
-    </p:spTree>
-    <p:extLst>
-      <p:ext uri="{BB962C8B-B14F-4D97-AF65-F5344CB8AC3E}">
-        <p14:creationId xmlns:p14="http://schemas.microsoft.com/office/powerpoint/2010/main" val="1985006701"/>
-      </p:ext>
-    </p:extLst>
-  </p:cSld>
-  <p:clrMapOvr>
-    <a:masterClrMapping/>
-  </p:clrMapOvr>
-  <p:transition spd="slow">
-    <p:wipe/>
-  </p:transition>
-  <p:timing>
-    <p:tnLst>
-      <p:par>
-        <p:cTn id="1" dur="indefinite" restart="never" nodeType="tmRoot">
-          <p:childTnLst>
-            <p:seq concurrent="1" nextAc="seek">
-              <p:cTn id="2" dur="indefinite" nodeType="mainSeq"/>
-              <p:prevCondLst>
-                <p:cond evt="onPrev" delay="0">
-                  <p:tgtEl>
-                    <p:sldTgt/>
-                  </p:tgtEl>
-                </p:cond>
-              </p:prevCondLst>
-              <p:nextCondLst>
-                <p:cond evt="onNext" delay="0">
-                  <p:tgtEl>
-                    <p:sldTgt/>
-                  </p:tgtEl>
-                </p:cond>
-              </p:nextCondLst>
-            </p:seq>
-          </p:childTnLst>
-        </p:cTn>
-      </p:par>
-    </p:tnLst>
-  </p:timing>
-</p:sld>
-</file>
-
-<file path=ppt/slides/slide16.xml><?xml version="1.0" encoding="utf-8"?>
 <p:sld xmlns:a="http://schemas.openxmlformats.org/drawingml/2006/main" xmlns:r="http://schemas.openxmlformats.org/officeDocument/2006/relationships" xmlns:p="http://schemas.openxmlformats.org/presentationml/2006/main">
   <p:cSld>
     <p:bg>
@@ -14244,10 +13587,10 @@
       </p:grpSpPr>
       <p:sp>
         <p:nvSpPr>
-          <p:cNvPr id="17410" name="Title 1">
+          <p:cNvPr id="19458" name="Title 1">
             <a:extLst>
               <a:ext uri="{FF2B5EF4-FFF2-40B4-BE49-F238E27FC236}">
-                <a16:creationId xmlns:a16="http://schemas.microsoft.com/office/drawing/2014/main" id="{47247A4E-359F-A4E1-F355-FF9186269DB7}"/>
+                <a16:creationId xmlns:a16="http://schemas.microsoft.com/office/drawing/2014/main" id="{15F89A1E-1A05-0FA8-69EE-ABA9B398BF17}"/>
               </a:ext>
             </a:extLst>
           </p:cNvPr>
@@ -14260,7 +13603,7 @@
         </p:nvSpPr>
         <p:spPr>
           <a:xfrm>
-            <a:off x="3962400" y="457200"/>
+            <a:off x="3886200" y="457200"/>
             <a:ext cx="4627563" cy="854075"/>
           </a:xfrm>
         </p:spPr>
@@ -14284,7 +13627,7 @@
           <p:cNvPr id="2" name="Picture 1">
             <a:extLst>
               <a:ext uri="{FF2B5EF4-FFF2-40B4-BE49-F238E27FC236}">
-                <a16:creationId xmlns:a16="http://schemas.microsoft.com/office/drawing/2014/main" id="{ED48F67F-20DF-A66C-B1FE-79F4BE73A4CB}"/>
+                <a16:creationId xmlns:a16="http://schemas.microsoft.com/office/drawing/2014/main" id="{102B91A5-AFC7-0BF7-2EF4-E6B2FB9E5A51}"/>
               </a:ext>
             </a:extLst>
           </p:cNvPr>
@@ -14301,8 +13644,8 @@
         </p:blipFill>
         <p:spPr>
           <a:xfrm>
-            <a:off x="685800" y="2057400"/>
-            <a:ext cx="7772400" cy="4219768"/>
+            <a:off x="685800" y="1676400"/>
+            <a:ext cx="7772400" cy="4170952"/>
           </a:xfrm>
           <a:prstGeom prst="rect">
             <a:avLst/>
@@ -14378,10 +13721,10 @@
       </p:grpSpPr>
       <p:sp>
         <p:nvSpPr>
-          <p:cNvPr id="19458" name="Title 1">
+          <p:cNvPr id="21506" name="Title 1">
             <a:extLst>
               <a:ext uri="{FF2B5EF4-FFF2-40B4-BE49-F238E27FC236}">
-                <a16:creationId xmlns:a16="http://schemas.microsoft.com/office/drawing/2014/main" id="{15F89A1E-1A05-0FA8-69EE-ABA9B398BF17}"/>
+                <a16:creationId xmlns:a16="http://schemas.microsoft.com/office/drawing/2014/main" id="{D2C373E8-E152-494B-C136-07D02D71F2D3}"/>
               </a:ext>
             </a:extLst>
           </p:cNvPr>
@@ -14415,10 +13758,10 @@
       </p:sp>
       <p:pic>
         <p:nvPicPr>
-          <p:cNvPr id="2" name="Picture 1">
+          <p:cNvPr id="4" name="Picture 3">
             <a:extLst>
               <a:ext uri="{FF2B5EF4-FFF2-40B4-BE49-F238E27FC236}">
-                <a16:creationId xmlns:a16="http://schemas.microsoft.com/office/drawing/2014/main" id="{102B91A5-AFC7-0BF7-2EF4-E6B2FB9E5A51}"/>
+                <a16:creationId xmlns:a16="http://schemas.microsoft.com/office/drawing/2014/main" id="{5FCD7D28-87C5-5FB9-CC2D-602788BBBB68}"/>
               </a:ext>
             </a:extLst>
           </p:cNvPr>
@@ -14435,8 +13778,8 @@
         </p:blipFill>
         <p:spPr>
           <a:xfrm>
-            <a:off x="685800" y="1676400"/>
-            <a:ext cx="7772400" cy="4170952"/>
+            <a:off x="914400" y="1905000"/>
+            <a:ext cx="7772400" cy="4256314"/>
           </a:xfrm>
           <a:prstGeom prst="rect">
             <a:avLst/>
